--- a/images/record/Kubernetes_Install_kubeadm_Ubuntu_18.04_Jetson_Nano_Cluster/Jetson_Nano_Cluster_Build.pptx
+++ b/images/record/Kubernetes_Install_kubeadm_Ubuntu_18.04_Jetson_Nano_Cluster/Jetson_Nano_Cluster_Build.pptx
@@ -215,7 +215,7 @@
           <a:p>
             <a:fld id="{6CD5550B-26C4-49A9-A5BA-636EF7BE6CE9}" type="datetimeFigureOut">
               <a:rPr lang="ko-KR" altLang="en-US" smtClean="0"/>
-              <a:t>2020-04-18</a:t>
+              <a:t>2020-04-19</a:t>
             </a:fld>
             <a:endParaRPr lang="ko-KR" altLang="en-US"/>
           </a:p>
@@ -829,7 +829,7 @@
           <a:p>
             <a:fld id="{FB30EDBD-1C2D-4C1E-B459-B60219FAB484}" type="datetimeFigureOut">
               <a:rPr lang="ko-KR" altLang="en-US" smtClean="0"/>
-              <a:t>2020-04-18</a:t>
+              <a:t>2020-04-19</a:t>
             </a:fld>
             <a:endParaRPr lang="ko-KR" altLang="en-US"/>
           </a:p>
@@ -992,7 +992,7 @@
           <a:p>
             <a:fld id="{FB30EDBD-1C2D-4C1E-B459-B60219FAB484}" type="datetimeFigureOut">
               <a:rPr lang="ko-KR" altLang="en-US" smtClean="0"/>
-              <a:t>2020-04-18</a:t>
+              <a:t>2020-04-19</a:t>
             </a:fld>
             <a:endParaRPr lang="ko-KR" altLang="en-US"/>
           </a:p>
@@ -1165,7 +1165,7 @@
           <a:p>
             <a:fld id="{FB30EDBD-1C2D-4C1E-B459-B60219FAB484}" type="datetimeFigureOut">
               <a:rPr lang="ko-KR" altLang="en-US" smtClean="0"/>
-              <a:t>2020-04-18</a:t>
+              <a:t>2020-04-19</a:t>
             </a:fld>
             <a:endParaRPr lang="ko-KR" altLang="en-US"/>
           </a:p>
@@ -1328,7 +1328,7 @@
           <a:p>
             <a:fld id="{FB30EDBD-1C2D-4C1E-B459-B60219FAB484}" type="datetimeFigureOut">
               <a:rPr lang="ko-KR" altLang="en-US" smtClean="0"/>
-              <a:t>2020-04-18</a:t>
+              <a:t>2020-04-19</a:t>
             </a:fld>
             <a:endParaRPr lang="ko-KR" altLang="en-US"/>
           </a:p>
@@ -1568,7 +1568,7 @@
           <a:p>
             <a:fld id="{FB30EDBD-1C2D-4C1E-B459-B60219FAB484}" type="datetimeFigureOut">
               <a:rPr lang="ko-KR" altLang="en-US" smtClean="0"/>
-              <a:t>2020-04-18</a:t>
+              <a:t>2020-04-19</a:t>
             </a:fld>
             <a:endParaRPr lang="ko-KR" altLang="en-US"/>
           </a:p>
@@ -1848,7 +1848,7 @@
           <a:p>
             <a:fld id="{FB30EDBD-1C2D-4C1E-B459-B60219FAB484}" type="datetimeFigureOut">
               <a:rPr lang="ko-KR" altLang="en-US" smtClean="0"/>
-              <a:t>2020-04-18</a:t>
+              <a:t>2020-04-19</a:t>
             </a:fld>
             <a:endParaRPr lang="ko-KR" altLang="en-US"/>
           </a:p>
@@ -2262,7 +2262,7 @@
           <a:p>
             <a:fld id="{FB30EDBD-1C2D-4C1E-B459-B60219FAB484}" type="datetimeFigureOut">
               <a:rPr lang="ko-KR" altLang="en-US" smtClean="0"/>
-              <a:t>2020-04-18</a:t>
+              <a:t>2020-04-19</a:t>
             </a:fld>
             <a:endParaRPr lang="ko-KR" altLang="en-US"/>
           </a:p>
@@ -2374,7 +2374,7 @@
           <a:p>
             <a:fld id="{FB30EDBD-1C2D-4C1E-B459-B60219FAB484}" type="datetimeFigureOut">
               <a:rPr lang="ko-KR" altLang="en-US" smtClean="0"/>
-              <a:t>2020-04-18</a:t>
+              <a:t>2020-04-19</a:t>
             </a:fld>
             <a:endParaRPr lang="ko-KR" altLang="en-US"/>
           </a:p>
@@ -2464,7 +2464,7 @@
           <a:p>
             <a:fld id="{FB30EDBD-1C2D-4C1E-B459-B60219FAB484}" type="datetimeFigureOut">
               <a:rPr lang="ko-KR" altLang="en-US" smtClean="0"/>
-              <a:t>2020-04-18</a:t>
+              <a:t>2020-04-19</a:t>
             </a:fld>
             <a:endParaRPr lang="ko-KR" altLang="en-US"/>
           </a:p>
@@ -2734,7 +2734,7 @@
           <a:p>
             <a:fld id="{FB30EDBD-1C2D-4C1E-B459-B60219FAB484}" type="datetimeFigureOut">
               <a:rPr lang="ko-KR" altLang="en-US" smtClean="0"/>
-              <a:t>2020-04-18</a:t>
+              <a:t>2020-04-19</a:t>
             </a:fld>
             <a:endParaRPr lang="ko-KR" altLang="en-US"/>
           </a:p>
@@ -2981,7 +2981,7 @@
           <a:p>
             <a:fld id="{FB30EDBD-1C2D-4C1E-B459-B60219FAB484}" type="datetimeFigureOut">
               <a:rPr lang="ko-KR" altLang="en-US" smtClean="0"/>
-              <a:t>2020-04-18</a:t>
+              <a:t>2020-04-19</a:t>
             </a:fld>
             <a:endParaRPr lang="ko-KR" altLang="en-US"/>
           </a:p>
@@ -3187,7 +3187,7 @@
           <a:p>
             <a:fld id="{FB30EDBD-1C2D-4C1E-B459-B60219FAB484}" type="datetimeFigureOut">
               <a:rPr lang="ko-KR" altLang="en-US" smtClean="0"/>
-              <a:t>2020-04-18</a:t>
+              <a:t>2020-04-19</a:t>
             </a:fld>
             <a:endParaRPr lang="ko-KR" altLang="en-US"/>
           </a:p>
@@ -3685,7 +3685,7 @@
             <a:pPr algn="ctr"/>
             <a:r>
               <a:rPr lang="en-US" altLang="ko-KR" sz="1100"/>
-              <a:t>192.168.0.71</a:t>
+              <a:t>192.168.0.41</a:t>
             </a:r>
             <a:endParaRPr lang="en-US" altLang="ko-KR" sz="1100" dirty="0"/>
           </a:p>
@@ -3858,7 +3858,7 @@
             <a:pPr algn="ctr"/>
             <a:r>
               <a:rPr lang="en-US" altLang="ko-KR" sz="1100"/>
-              <a:t>192.168.0.72</a:t>
+              <a:t>192.168.0.42</a:t>
             </a:r>
             <a:endParaRPr lang="en-US" altLang="ko-KR" sz="1100" dirty="0"/>
           </a:p>
@@ -4031,7 +4031,7 @@
             <a:pPr algn="ctr"/>
             <a:r>
               <a:rPr lang="en-US" altLang="ko-KR" sz="1100"/>
-              <a:t>192.168.0.73</a:t>
+              <a:t>192.168.0.43</a:t>
             </a:r>
             <a:endParaRPr lang="en-US" altLang="ko-KR" sz="1100" dirty="0"/>
           </a:p>
@@ -4204,7 +4204,7 @@
             <a:pPr algn="ctr"/>
             <a:r>
               <a:rPr lang="en-US" altLang="ko-KR" sz="1100"/>
-              <a:t>192.168.0.74</a:t>
+              <a:t>192.168.0.44</a:t>
             </a:r>
             <a:endParaRPr lang="en-US" altLang="ko-KR" sz="1100" dirty="0"/>
           </a:p>
